--- a/CS329E Final Presentation (1).pptx
+++ b/CS329E Final Presentation (1).pptx
@@ -10416,7 +10416,15 @@
           <a:p>
             <a:r>
               <a:rPr lang="en-US" dirty="0" smtClean="0"/>
-              <a:t>Can use once data is edited in R first</a:t>
+              <a:t>Can use once data is edited in </a:t>
+            </a:r>
+            <a:r>
+              <a:rPr lang="en-US" dirty="0" smtClean="0"/>
+              <a:t>SQL Developer/R </a:t>
+            </a:r>
+            <a:r>
+              <a:rPr lang="en-US" dirty="0" smtClean="0"/>
+              <a:t>first</a:t>
             </a:r>
             <a:endParaRPr lang="en-US" dirty="0"/>
           </a:p>
@@ -10961,8 +10969,19 @@
             </a:r>
             <a:r>
               <a:rPr lang="en-US" dirty="0" smtClean="0"/>
-              <a:t> (inner join)</a:t>
-            </a:r>
+              <a:t> (inner join</a:t>
+            </a:r>
+            <a:r>
+              <a:rPr lang="en-US" dirty="0" smtClean="0"/>
+              <a:t>)</a:t>
+            </a:r>
+          </a:p>
+          <a:p>
+            <a:r>
+              <a:rPr lang="en-US" dirty="0" smtClean="0"/>
+              <a:t>Melting multiple columns</a:t>
+            </a:r>
+            <a:endParaRPr lang="en-US" dirty="0" smtClean="0"/>
           </a:p>
           <a:p>
             <a:r>
@@ -11178,13 +11197,8 @@
             </a:pPr>
             <a:r>
               <a:rPr lang="en-US" dirty="0" smtClean="0"/>
-              <a:t>Data: </a:t>
-            </a:r>
-            <a:r>
-              <a:rPr lang="en-US" dirty="0" smtClean="0"/>
-              <a:t>Listing Price and Sold Price of All states</a:t>
-            </a:r>
-            <a:endParaRPr lang="en-US" dirty="0" smtClean="0"/>
+              <a:t>Data: Listing Price and Sold Price of All states</a:t>
+            </a:r>
           </a:p>
           <a:p>
             <a:pPr marL="285750" indent="-285750">
@@ -11193,11 +11207,7 @@
             </a:pPr>
             <a:r>
               <a:rPr lang="en-US" dirty="0" smtClean="0"/>
-              <a:t>Operations performed</a:t>
-            </a:r>
-            <a:r>
-              <a:rPr lang="en-US" dirty="0" smtClean="0"/>
-              <a:t>:</a:t>
+              <a:t>Operations performed:</a:t>
             </a:r>
           </a:p>
           <a:p>
@@ -11207,8 +11217,9 @@
             </a:pPr>
             <a:r>
               <a:rPr lang="en-US" dirty="0" smtClean="0"/>
-              <a:t>Melting</a:t>
-            </a:r>
+              <a:t>Melted Listing Price and Sold Price</a:t>
+            </a:r>
+            <a:endParaRPr lang="en-US" dirty="0" smtClean="0"/>
           </a:p>
           <a:p>
             <a:pPr marL="742950" lvl="1" indent="-285750">
@@ -11428,13 +11439,8 @@
             </a:pPr>
             <a:r>
               <a:rPr lang="en-US" dirty="0" smtClean="0"/>
-              <a:t>Data: </a:t>
-            </a:r>
-            <a:r>
-              <a:rPr lang="en-US" dirty="0" smtClean="0"/>
-              <a:t>Listing Price and Sold Price of All states</a:t>
-            </a:r>
-            <a:endParaRPr lang="en-US" dirty="0" smtClean="0"/>
+              <a:t>Data: Listing Price and Sold Price of All states</a:t>
+            </a:r>
           </a:p>
           <a:p>
             <a:pPr marL="285750" indent="-285750">
@@ -11443,11 +11449,7 @@
             </a:pPr>
             <a:r>
               <a:rPr lang="en-US" dirty="0" smtClean="0"/>
-              <a:t>Operations performed</a:t>
-            </a:r>
-            <a:r>
-              <a:rPr lang="en-US" dirty="0" smtClean="0"/>
-              <a:t>:</a:t>
+              <a:t>Operations performed:</a:t>
             </a:r>
           </a:p>
           <a:p>
@@ -11457,8 +11459,9 @@
             </a:pPr>
             <a:r>
               <a:rPr lang="en-US" dirty="0" smtClean="0"/>
-              <a:t>Melting</a:t>
-            </a:r>
+              <a:t>Melting Listing Price Per SQFT and Sold Price Per SQFT</a:t>
+            </a:r>
+            <a:endParaRPr lang="en-US" dirty="0" smtClean="0"/>
           </a:p>
           <a:p>
             <a:pPr marL="742950" lvl="1" indent="-285750">
